--- a/forlob7_grafik/DDU - grafik og tilemaps.pptx
+++ b/forlob7_grafik/DDU - grafik og tilemaps.pptx
@@ -265,7 +265,7 @@
           <a:p>
             <a:fld id="{BEEF9D3C-DE02-4717-B358-5E97D90D9407}" type="datetimeFigureOut">
               <a:rPr lang="da-DK" smtClean="0"/>
-              <a:t>08-09-2024</a:t>
+              <a:t>07-09-2025</a:t>
             </a:fld>
             <a:endParaRPr lang="da-DK"/>
           </a:p>
@@ -463,7 +463,7 @@
           <a:p>
             <a:fld id="{BEEF9D3C-DE02-4717-B358-5E97D90D9407}" type="datetimeFigureOut">
               <a:rPr lang="da-DK" smtClean="0"/>
-              <a:t>08-09-2024</a:t>
+              <a:t>07-09-2025</a:t>
             </a:fld>
             <a:endParaRPr lang="da-DK"/>
           </a:p>
@@ -671,7 +671,7 @@
           <a:p>
             <a:fld id="{BEEF9D3C-DE02-4717-B358-5E97D90D9407}" type="datetimeFigureOut">
               <a:rPr lang="da-DK" smtClean="0"/>
-              <a:t>08-09-2024</a:t>
+              <a:t>07-09-2025</a:t>
             </a:fld>
             <a:endParaRPr lang="da-DK"/>
           </a:p>
@@ -869,7 +869,7 @@
           <a:p>
             <a:fld id="{BEEF9D3C-DE02-4717-B358-5E97D90D9407}" type="datetimeFigureOut">
               <a:rPr lang="da-DK" smtClean="0"/>
-              <a:t>08-09-2024</a:t>
+              <a:t>07-09-2025</a:t>
             </a:fld>
             <a:endParaRPr lang="da-DK"/>
           </a:p>
@@ -1144,7 +1144,7 @@
           <a:p>
             <a:fld id="{BEEF9D3C-DE02-4717-B358-5E97D90D9407}" type="datetimeFigureOut">
               <a:rPr lang="da-DK" smtClean="0"/>
-              <a:t>08-09-2024</a:t>
+              <a:t>07-09-2025</a:t>
             </a:fld>
             <a:endParaRPr lang="da-DK"/>
           </a:p>
@@ -1409,7 +1409,7 @@
           <a:p>
             <a:fld id="{BEEF9D3C-DE02-4717-B358-5E97D90D9407}" type="datetimeFigureOut">
               <a:rPr lang="da-DK" smtClean="0"/>
-              <a:t>08-09-2024</a:t>
+              <a:t>07-09-2025</a:t>
             </a:fld>
             <a:endParaRPr lang="da-DK"/>
           </a:p>
@@ -1821,7 +1821,7 @@
           <a:p>
             <a:fld id="{BEEF9D3C-DE02-4717-B358-5E97D90D9407}" type="datetimeFigureOut">
               <a:rPr lang="da-DK" smtClean="0"/>
-              <a:t>08-09-2024</a:t>
+              <a:t>07-09-2025</a:t>
             </a:fld>
             <a:endParaRPr lang="da-DK"/>
           </a:p>
@@ -1962,7 +1962,7 @@
           <a:p>
             <a:fld id="{BEEF9D3C-DE02-4717-B358-5E97D90D9407}" type="datetimeFigureOut">
               <a:rPr lang="da-DK" smtClean="0"/>
-              <a:t>08-09-2024</a:t>
+              <a:t>07-09-2025</a:t>
             </a:fld>
             <a:endParaRPr lang="da-DK"/>
           </a:p>
@@ -2075,7 +2075,7 @@
           <a:p>
             <a:fld id="{BEEF9D3C-DE02-4717-B358-5E97D90D9407}" type="datetimeFigureOut">
               <a:rPr lang="da-DK" smtClean="0"/>
-              <a:t>08-09-2024</a:t>
+              <a:t>07-09-2025</a:t>
             </a:fld>
             <a:endParaRPr lang="da-DK"/>
           </a:p>
@@ -2386,7 +2386,7 @@
           <a:p>
             <a:fld id="{BEEF9D3C-DE02-4717-B358-5E97D90D9407}" type="datetimeFigureOut">
               <a:rPr lang="da-DK" smtClean="0"/>
-              <a:t>08-09-2024</a:t>
+              <a:t>07-09-2025</a:t>
             </a:fld>
             <a:endParaRPr lang="da-DK"/>
           </a:p>
@@ -2674,7 +2674,7 @@
           <a:p>
             <a:fld id="{BEEF9D3C-DE02-4717-B358-5E97D90D9407}" type="datetimeFigureOut">
               <a:rPr lang="da-DK" smtClean="0"/>
-              <a:t>08-09-2024</a:t>
+              <a:t>07-09-2025</a:t>
             </a:fld>
             <a:endParaRPr lang="da-DK"/>
           </a:p>
@@ -2915,7 +2915,7 @@
           <a:p>
             <a:fld id="{BEEF9D3C-DE02-4717-B358-5E97D90D9407}" type="datetimeFigureOut">
               <a:rPr lang="da-DK" smtClean="0"/>
-              <a:t>08-09-2024</a:t>
+              <a:t>07-09-2025</a:t>
             </a:fld>
             <a:endParaRPr lang="da-DK"/>
           </a:p>
@@ -3972,10 +3972,10 @@
       </p:sp>
       <p:pic>
         <p:nvPicPr>
-          <p:cNvPr id="5" name="Billede 4">
-            <a:extLst>
-              <a:ext uri="{FF2B5EF4-FFF2-40B4-BE49-F238E27FC236}">
-                <a16:creationId xmlns:a16="http://schemas.microsoft.com/office/drawing/2014/main" id="{E5A8F68D-8589-177D-D7AB-4BB85AABC943}"/>
+          <p:cNvPr id="6" name="Billede 5">
+            <a:extLst>
+              <a:ext uri="{FF2B5EF4-FFF2-40B4-BE49-F238E27FC236}">
+                <a16:creationId xmlns:a16="http://schemas.microsoft.com/office/drawing/2014/main" id="{CE453FE3-B618-D00F-ED7E-8A448064DACC}"/>
               </a:ext>
             </a:extLst>
           </p:cNvPr>
@@ -3992,8 +3992,8 @@
         </p:blipFill>
         <p:spPr>
           <a:xfrm>
-            <a:off x="1809432" y="4021138"/>
-            <a:ext cx="8086725" cy="2000250"/>
+            <a:off x="2033587" y="3936724"/>
+            <a:ext cx="8124825" cy="2324100"/>
           </a:xfrm>
           <a:prstGeom prst="rect">
             <a:avLst/>
@@ -4268,7 +4268,15 @@
             </a:br>
             <a:r>
               <a:rPr lang="da-DK" dirty="0"/>
-              <a:t>I de få timer vi har indtil da er det meningen af I skal ”rode” lidt rundt og se de videoer som I tænker vil give jeg noget vigtig info omkring det at lave spillebaner med </a:t>
+              <a:t>I de få timer vi har </a:t>
+            </a:r>
+            <a:r>
+              <a:rPr lang="da-DK"/>
+              <a:t>indtil da, </a:t>
+            </a:r>
+            <a:r>
+              <a:rPr lang="da-DK" dirty="0"/>
+              <a:t>er det meningen af I skal ”rode” lidt rundt og se de videoer som I tænker vil give jeg noget vigtig info omkring det at lave spillebaner med </a:t>
             </a:r>
             <a:r>
               <a:rPr lang="da-DK" dirty="0" err="1"/>
